--- a/00_acilis_hadoop-spark-for-developers.pptx
+++ b/00_acilis_hadoop-spark-for-developers.pptx
@@ -7,10 +7,12 @@
   <p:sldIdLst>
     <p:sldId id="256" r:id="rId2"/>
     <p:sldId id="329" r:id="rId3"/>
-    <p:sldId id="328" r:id="rId4"/>
-    <p:sldId id="330" r:id="rId5"/>
-    <p:sldId id="331" r:id="rId6"/>
-    <p:sldId id="332" r:id="rId7"/>
+    <p:sldId id="342" r:id="rId4"/>
+    <p:sldId id="343" r:id="rId5"/>
+    <p:sldId id="345" r:id="rId6"/>
+    <p:sldId id="328" r:id="rId7"/>
+    <p:sldId id="330" r:id="rId8"/>
+    <p:sldId id="331" r:id="rId9"/>
   </p:sldIdLst>
   <p:sldSz cx="12192000" cy="6858000"/>
   <p:notesSz cx="6858000" cy="9144000"/>
@@ -419,7 +421,7 @@
           <a:p>
             <a:fld id="{BAB971F1-0A24-473E-8A66-D77E329B588E}" type="datetimeFigureOut">
               <a:rPr lang="tr-TR" smtClean="0"/>
-              <a:t>6.05.2019</a:t>
+              <a:t>15.10.2019</a:t>
             </a:fld>
             <a:endParaRPr lang="tr-TR"/>
           </a:p>
@@ -617,7 +619,7 @@
           <a:p>
             <a:fld id="{BAB971F1-0A24-473E-8A66-D77E329B588E}" type="datetimeFigureOut">
               <a:rPr lang="tr-TR" smtClean="0"/>
-              <a:t>6.05.2019</a:t>
+              <a:t>15.10.2019</a:t>
             </a:fld>
             <a:endParaRPr lang="tr-TR"/>
           </a:p>
@@ -825,7 +827,7 @@
           <a:p>
             <a:fld id="{BAB971F1-0A24-473E-8A66-D77E329B588E}" type="datetimeFigureOut">
               <a:rPr lang="tr-TR" smtClean="0"/>
-              <a:t>6.05.2019</a:t>
+              <a:t>15.10.2019</a:t>
             </a:fld>
             <a:endParaRPr lang="tr-TR"/>
           </a:p>
@@ -1023,7 +1025,7 @@
           <a:p>
             <a:fld id="{BAB971F1-0A24-473E-8A66-D77E329B588E}" type="datetimeFigureOut">
               <a:rPr lang="tr-TR" smtClean="0"/>
-              <a:t>6.05.2019</a:t>
+              <a:t>15.10.2019</a:t>
             </a:fld>
             <a:endParaRPr lang="tr-TR"/>
           </a:p>
@@ -1298,7 +1300,7 @@
           <a:p>
             <a:fld id="{BAB971F1-0A24-473E-8A66-D77E329B588E}" type="datetimeFigureOut">
               <a:rPr lang="tr-TR" smtClean="0"/>
-              <a:t>6.05.2019</a:t>
+              <a:t>15.10.2019</a:t>
             </a:fld>
             <a:endParaRPr lang="tr-TR"/>
           </a:p>
@@ -1563,7 +1565,7 @@
           <a:p>
             <a:fld id="{BAB971F1-0A24-473E-8A66-D77E329B588E}" type="datetimeFigureOut">
               <a:rPr lang="tr-TR" smtClean="0"/>
-              <a:t>6.05.2019</a:t>
+              <a:t>15.10.2019</a:t>
             </a:fld>
             <a:endParaRPr lang="tr-TR"/>
           </a:p>
@@ -1975,7 +1977,7 @@
           <a:p>
             <a:fld id="{BAB971F1-0A24-473E-8A66-D77E329B588E}" type="datetimeFigureOut">
               <a:rPr lang="tr-TR" smtClean="0"/>
-              <a:t>6.05.2019</a:t>
+              <a:t>15.10.2019</a:t>
             </a:fld>
             <a:endParaRPr lang="tr-TR"/>
           </a:p>
@@ -2116,7 +2118,7 @@
           <a:p>
             <a:fld id="{BAB971F1-0A24-473E-8A66-D77E329B588E}" type="datetimeFigureOut">
               <a:rPr lang="tr-TR" smtClean="0"/>
-              <a:t>6.05.2019</a:t>
+              <a:t>15.10.2019</a:t>
             </a:fld>
             <a:endParaRPr lang="tr-TR"/>
           </a:p>
@@ -2229,7 +2231,7 @@
           <a:p>
             <a:fld id="{BAB971F1-0A24-473E-8A66-D77E329B588E}" type="datetimeFigureOut">
               <a:rPr lang="tr-TR" smtClean="0"/>
-              <a:t>6.05.2019</a:t>
+              <a:t>15.10.2019</a:t>
             </a:fld>
             <a:endParaRPr lang="tr-TR"/>
           </a:p>
@@ -2540,7 +2542,7 @@
           <a:p>
             <a:fld id="{BAB971F1-0A24-473E-8A66-D77E329B588E}" type="datetimeFigureOut">
               <a:rPr lang="tr-TR" smtClean="0"/>
-              <a:t>6.05.2019</a:t>
+              <a:t>15.10.2019</a:t>
             </a:fld>
             <a:endParaRPr lang="tr-TR"/>
           </a:p>
@@ -2828,7 +2830,7 @@
           <a:p>
             <a:fld id="{BAB971F1-0A24-473E-8A66-D77E329B588E}" type="datetimeFigureOut">
               <a:rPr lang="tr-TR" smtClean="0"/>
-              <a:t>6.05.2019</a:t>
+              <a:t>15.10.2019</a:t>
             </a:fld>
             <a:endParaRPr lang="tr-TR"/>
           </a:p>
@@ -3069,7 +3071,7 @@
           <a:p>
             <a:fld id="{BAB971F1-0A24-473E-8A66-D77E329B588E}" type="datetimeFigureOut">
               <a:rPr lang="tr-TR" smtClean="0"/>
-              <a:t>6.05.2019</a:t>
+              <a:t>15.10.2019</a:t>
             </a:fld>
             <a:endParaRPr lang="tr-TR"/>
           </a:p>
@@ -3594,8 +3596,8 @@
         </p:nvSpPr>
         <p:spPr>
           <a:xfrm>
-            <a:off x="3613332" y="3796357"/>
-            <a:ext cx="5346335" cy="1323439"/>
+            <a:off x="3536645" y="3071962"/>
+            <a:ext cx="5118709" cy="1323439"/>
           </a:xfrm>
           <a:prstGeom prst="rect">
             <a:avLst/>
@@ -3630,11 +3632,58 @@
                 <a:latin typeface="Verdana" panose="020B0604030504040204" pitchFamily="34" charset="0"/>
                 <a:ea typeface="Verdana" panose="020B0604030504040204" pitchFamily="34" charset="0"/>
               </a:rPr>
-              <a:t>06-10 Mayıs 2019</a:t>
-            </a:r>
-          </a:p>
-        </p:txBody>
-      </p:sp>
+              <a:t>15-18 Ekim 2019</a:t>
+            </a:r>
+          </a:p>
+        </p:txBody>
+      </p:sp>
+      <p:pic>
+        <p:nvPicPr>
+          <p:cNvPr id="1026" name="Picture 2" descr="amadeus logo ile ilgili görsel sonucu">
+            <a:extLst>
+              <a:ext uri="{FF2B5EF4-FFF2-40B4-BE49-F238E27FC236}">
+                <a16:creationId xmlns:a16="http://schemas.microsoft.com/office/drawing/2014/main" id="{60EB7687-F948-4619-B5EA-668147F4C03D}"/>
+              </a:ext>
+            </a:extLst>
+          </p:cNvPr>
+          <p:cNvPicPr>
+            <a:picLocks noChangeAspect="1" noChangeArrowheads="1"/>
+          </p:cNvPicPr>
+          <p:nvPr/>
+        </p:nvPicPr>
+        <p:blipFill>
+          <a:blip r:embed="rId2">
+            <a:extLst>
+              <a:ext uri="{28A0092B-C50C-407E-A947-70E740481C1C}">
+                <a14:useLocalDpi xmlns:a14="http://schemas.microsoft.com/office/drawing/2010/main" val="0"/>
+              </a:ext>
+            </a:extLst>
+          </a:blip>
+          <a:srcRect/>
+          <a:stretch>
+            <a:fillRect/>
+          </a:stretch>
+        </p:blipFill>
+        <p:spPr bwMode="auto">
+          <a:xfrm>
+            <a:off x="4667249" y="4578041"/>
+            <a:ext cx="2857500" cy="1295400"/>
+          </a:xfrm>
+          <a:prstGeom prst="rect">
+            <a:avLst/>
+          </a:prstGeom>
+          <a:noFill/>
+          <a:extLst>
+            <a:ext uri="{909E8E84-426E-40DD-AFC4-6F175D3DCCD1}">
+              <a14:hiddenFill xmlns:a14="http://schemas.microsoft.com/office/drawing/2010/main">
+                <a:solidFill>
+                  <a:srgbClr val="FFFFFF"/>
+                </a:solidFill>
+              </a14:hiddenFill>
+            </a:ext>
+          </a:extLst>
+        </p:spPr>
+      </p:pic>
     </p:spTree>
     <p:extLst>
       <p:ext uri="{BB962C8B-B14F-4D97-AF65-F5344CB8AC3E}">
@@ -3953,7 +4002,7 @@
         </p:nvSpPr>
         <p:spPr>
           <a:xfrm>
-            <a:off x="3574026" y="304799"/>
+            <a:off x="3574026" y="685799"/>
             <a:ext cx="5043948" cy="619433"/>
           </a:xfrm>
         </p:spPr>
@@ -3972,7 +4021,1072 @@
                 <a:ea typeface="+mn-ea"/>
                 <a:cs typeface="+mn-cs"/>
               </a:rPr>
-              <a:t>İdari Konular</a:t>
+              <a:t>Diğer Eğitimler</a:t>
+            </a:r>
+            <a:endParaRPr lang="en-US" sz="4000" b="1" dirty="0">
+              <a:solidFill>
+                <a:srgbClr val="FF4D4D"/>
+              </a:solidFill>
+              <a:latin typeface="Roboto"/>
+              <a:ea typeface="+mn-ea"/>
+              <a:cs typeface="+mn-cs"/>
+            </a:endParaRPr>
+          </a:p>
+        </p:txBody>
+      </p:sp>
+      <p:sp>
+        <p:nvSpPr>
+          <p:cNvPr id="3" name="Metin kutusu 2">
+            <a:extLst>
+              <a:ext uri="{FF2B5EF4-FFF2-40B4-BE49-F238E27FC236}">
+                <a16:creationId xmlns:a16="http://schemas.microsoft.com/office/drawing/2014/main" id="{2DC8A280-C738-452F-B627-12CB68E50CC1}"/>
+              </a:ext>
+            </a:extLst>
+          </p:cNvPr>
+          <p:cNvSpPr txBox="1"/>
+          <p:nvPr/>
+        </p:nvSpPr>
+        <p:spPr>
+          <a:xfrm>
+            <a:off x="2825014" y="1408182"/>
+            <a:ext cx="7121244" cy="4600042"/>
+          </a:xfrm>
+          <a:prstGeom prst="rect">
+            <a:avLst/>
+          </a:prstGeom>
+          <a:noFill/>
+        </p:spPr>
+        <p:txBody>
+          <a:bodyPr wrap="square" rtlCol="0">
+            <a:spAutoFit/>
+          </a:bodyPr>
+          <a:lstStyle/>
+          <a:p>
+            <a:pPr marL="365125" indent="-365125" defTabSz="365125">
+              <a:lnSpc>
+                <a:spcPct val="150000"/>
+              </a:lnSpc>
+              <a:buFont typeface="+mj-lt"/>
+              <a:buAutoNum type="arabicPeriod"/>
+            </a:pPr>
+            <a:r>
+              <a:rPr lang="tr-TR" sz="2200" dirty="0">
+                <a:latin typeface="Roboto"/>
+              </a:rPr>
+              <a:t>	Hadoop Büyük Veri Platform Yönetimi</a:t>
+            </a:r>
+          </a:p>
+          <a:p>
+            <a:pPr marL="365125" indent="-365125" defTabSz="365125">
+              <a:lnSpc>
+                <a:spcPct val="150000"/>
+              </a:lnSpc>
+              <a:buFont typeface="+mj-lt"/>
+              <a:buAutoNum type="arabicPeriod"/>
+            </a:pPr>
+            <a:r>
+              <a:rPr lang="tr-TR" sz="2200" dirty="0">
+                <a:latin typeface="Roboto"/>
+              </a:rPr>
+              <a:t>	Hadoop Developer</a:t>
+            </a:r>
+          </a:p>
+          <a:p>
+            <a:pPr marL="365125" indent="-365125" defTabSz="365125">
+              <a:lnSpc>
+                <a:spcPct val="150000"/>
+              </a:lnSpc>
+              <a:buFont typeface="+mj-lt"/>
+              <a:buAutoNum type="arabicPeriod"/>
+            </a:pPr>
+            <a:r>
+              <a:rPr lang="tr-TR" sz="2200" dirty="0">
+                <a:latin typeface="Roboto"/>
+              </a:rPr>
+              <a:t>	Hadoop Spark Developer</a:t>
+            </a:r>
+          </a:p>
+          <a:p>
+            <a:pPr marL="365125" indent="-365125" defTabSz="365125">
+              <a:lnSpc>
+                <a:spcPct val="150000"/>
+              </a:lnSpc>
+              <a:buFont typeface="+mj-lt"/>
+              <a:buAutoNum type="arabicPeriod"/>
+            </a:pPr>
+            <a:r>
+              <a:rPr lang="tr-TR" sz="2200" dirty="0">
+                <a:latin typeface="Roboto"/>
+              </a:rPr>
+              <a:t>	Temel Python Programlama</a:t>
+            </a:r>
+          </a:p>
+          <a:p>
+            <a:pPr marL="365125" indent="-365125" defTabSz="365125">
+              <a:lnSpc>
+                <a:spcPct val="150000"/>
+              </a:lnSpc>
+              <a:buFont typeface="+mj-lt"/>
+              <a:buAutoNum type="arabicPeriod"/>
+            </a:pPr>
+            <a:r>
+              <a:rPr lang="tr-TR" sz="2200" dirty="0">
+                <a:latin typeface="Roboto"/>
+              </a:rPr>
+              <a:t>	Python ile Makine Öğrenmesi</a:t>
+            </a:r>
+          </a:p>
+          <a:p>
+            <a:pPr marL="365125" indent="-365125" defTabSz="365125">
+              <a:lnSpc>
+                <a:spcPct val="150000"/>
+              </a:lnSpc>
+              <a:buFont typeface="+mj-lt"/>
+              <a:buAutoNum type="arabicPeriod"/>
+            </a:pPr>
+            <a:r>
+              <a:rPr lang="tr-TR" sz="2200" dirty="0">
+                <a:latin typeface="Roboto"/>
+              </a:rPr>
+              <a:t>	Python ile Derin Öğrenme Giriş</a:t>
+            </a:r>
+          </a:p>
+          <a:p>
+            <a:pPr marL="365125" indent="-365125" defTabSz="365125">
+              <a:lnSpc>
+                <a:spcPct val="150000"/>
+              </a:lnSpc>
+              <a:buFont typeface="+mj-lt"/>
+              <a:buAutoNum type="arabicPeriod"/>
+            </a:pPr>
+            <a:r>
+              <a:rPr lang="tr-TR" sz="2200" dirty="0">
+                <a:latin typeface="Roboto"/>
+              </a:rPr>
+              <a:t>	Apache Spark ile Makine Öğrenmesi </a:t>
+            </a:r>
+          </a:p>
+          <a:p>
+            <a:pPr marL="365125" indent="-365125" defTabSz="365125">
+              <a:lnSpc>
+                <a:spcPct val="150000"/>
+              </a:lnSpc>
+              <a:buFont typeface="+mj-lt"/>
+              <a:buAutoNum type="arabicPeriod"/>
+            </a:pPr>
+            <a:r>
+              <a:rPr lang="tr-TR" sz="2200" dirty="0">
+                <a:latin typeface="Roboto"/>
+              </a:rPr>
+              <a:t>	Apache Spark ile </a:t>
+            </a:r>
+            <a:r>
+              <a:rPr lang="tr-TR" sz="2200" dirty="0" err="1">
+                <a:latin typeface="Roboto"/>
+              </a:rPr>
+              <a:t>Streaming</a:t>
+            </a:r>
+            <a:endParaRPr lang="tr-TR" sz="2200" dirty="0">
+              <a:latin typeface="Roboto"/>
+            </a:endParaRPr>
+          </a:p>
+          <a:p>
+            <a:pPr marL="365125" indent="-365125" defTabSz="365125">
+              <a:lnSpc>
+                <a:spcPct val="150000"/>
+              </a:lnSpc>
+              <a:buFont typeface="+mj-lt"/>
+              <a:buAutoNum type="arabicPeriod"/>
+            </a:pPr>
+            <a:r>
+              <a:rPr lang="tr-TR" sz="2200" dirty="0">
+                <a:latin typeface="Roboto"/>
+              </a:rPr>
+              <a:t>	Apache </a:t>
+            </a:r>
+            <a:r>
+              <a:rPr lang="tr-TR" sz="2200" dirty="0" err="1">
+                <a:latin typeface="Roboto"/>
+              </a:rPr>
+              <a:t>Flink</a:t>
+            </a:r>
+            <a:r>
+              <a:rPr lang="tr-TR" sz="2200" dirty="0">
+                <a:latin typeface="Roboto"/>
+              </a:rPr>
+              <a:t> ile </a:t>
+            </a:r>
+            <a:r>
+              <a:rPr lang="tr-TR" sz="2200" dirty="0" err="1">
+                <a:latin typeface="Roboto"/>
+              </a:rPr>
+              <a:t>Streaming</a:t>
+            </a:r>
+            <a:endParaRPr lang="tr-TR" sz="2200" dirty="0">
+              <a:latin typeface="Roboto"/>
+            </a:endParaRPr>
+          </a:p>
+        </p:txBody>
+      </p:sp>
+    </p:spTree>
+    <p:extLst>
+      <p:ext uri="{BB962C8B-B14F-4D97-AF65-F5344CB8AC3E}">
+        <p14:creationId xmlns:p14="http://schemas.microsoft.com/office/powerpoint/2010/main" val="3505777942"/>
+      </p:ext>
+    </p:extLst>
+  </p:cSld>
+  <p:clrMapOvr>
+    <a:masterClrMapping/>
+  </p:clrMapOvr>
+  <p:transition spd="slow">
+    <p:push dir="u"/>
+  </p:transition>
+  <p:timing>
+    <p:tnLst>
+      <p:par>
+        <p:cTn id="1" dur="indefinite" restart="never" nodeType="tmRoot">
+          <p:childTnLst>
+            <p:seq concurrent="1" nextAc="seek">
+              <p:cTn id="2" dur="indefinite" nodeType="mainSeq">
+                <p:childTnLst>
+                  <p:par>
+                    <p:cTn id="3" fill="hold">
+                      <p:stCondLst>
+                        <p:cond delay="indefinite"/>
+                      </p:stCondLst>
+                      <p:childTnLst>
+                        <p:par>
+                          <p:cTn id="4" fill="hold">
+                            <p:stCondLst>
+                              <p:cond delay="0"/>
+                            </p:stCondLst>
+                            <p:childTnLst>
+                              <p:par>
+                                <p:cTn id="5" presetID="53" presetClass="entr" presetSubtype="16" fill="hold" grpId="0" nodeType="clickEffect">
+                                  <p:stCondLst>
+                                    <p:cond delay="0"/>
+                                  </p:stCondLst>
+                                  <p:childTnLst>
+                                    <p:set>
+                                      <p:cBhvr>
+                                        <p:cTn id="6" dur="1" fill="hold">
+                                          <p:stCondLst>
+                                            <p:cond delay="0"/>
+                                          </p:stCondLst>
+                                        </p:cTn>
+                                        <p:tgtEl>
+                                          <p:spTgt spid="3"/>
+                                        </p:tgtEl>
+                                        <p:attrNameLst>
+                                          <p:attrName>style.visibility</p:attrName>
+                                        </p:attrNameLst>
+                                      </p:cBhvr>
+                                      <p:to>
+                                        <p:strVal val="visible"/>
+                                      </p:to>
+                                    </p:set>
+                                    <p:anim calcmode="lin" valueType="num">
+                                      <p:cBhvr>
+                                        <p:cTn id="7" dur="500" fill="hold"/>
+                                        <p:tgtEl>
+                                          <p:spTgt spid="3"/>
+                                        </p:tgtEl>
+                                        <p:attrNameLst>
+                                          <p:attrName>ppt_w</p:attrName>
+                                        </p:attrNameLst>
+                                      </p:cBhvr>
+                                      <p:tavLst>
+                                        <p:tav tm="0">
+                                          <p:val>
+                                            <p:fltVal val="0"/>
+                                          </p:val>
+                                        </p:tav>
+                                        <p:tav tm="100000">
+                                          <p:val>
+                                            <p:strVal val="#ppt_w"/>
+                                          </p:val>
+                                        </p:tav>
+                                      </p:tavLst>
+                                    </p:anim>
+                                    <p:anim calcmode="lin" valueType="num">
+                                      <p:cBhvr>
+                                        <p:cTn id="8" dur="500" fill="hold"/>
+                                        <p:tgtEl>
+                                          <p:spTgt spid="3"/>
+                                        </p:tgtEl>
+                                        <p:attrNameLst>
+                                          <p:attrName>ppt_h</p:attrName>
+                                        </p:attrNameLst>
+                                      </p:cBhvr>
+                                      <p:tavLst>
+                                        <p:tav tm="0">
+                                          <p:val>
+                                            <p:fltVal val="0"/>
+                                          </p:val>
+                                        </p:tav>
+                                        <p:tav tm="100000">
+                                          <p:val>
+                                            <p:strVal val="#ppt_h"/>
+                                          </p:val>
+                                        </p:tav>
+                                      </p:tavLst>
+                                    </p:anim>
+                                    <p:animEffect transition="in" filter="fade">
+                                      <p:cBhvr>
+                                        <p:cTn id="9" dur="500"/>
+                                        <p:tgtEl>
+                                          <p:spTgt spid="3"/>
+                                        </p:tgtEl>
+                                      </p:cBhvr>
+                                    </p:animEffect>
+                                  </p:childTnLst>
+                                </p:cTn>
+                              </p:par>
+                            </p:childTnLst>
+                          </p:cTn>
+                        </p:par>
+                      </p:childTnLst>
+                    </p:cTn>
+                  </p:par>
+                </p:childTnLst>
+              </p:cTn>
+              <p:prevCondLst>
+                <p:cond evt="onPrev" delay="0">
+                  <p:tgtEl>
+                    <p:sldTgt/>
+                  </p:tgtEl>
+                </p:cond>
+              </p:prevCondLst>
+              <p:nextCondLst>
+                <p:cond evt="onNext" delay="0">
+                  <p:tgtEl>
+                    <p:sldTgt/>
+                  </p:tgtEl>
+                </p:cond>
+              </p:nextCondLst>
+            </p:seq>
+          </p:childTnLst>
+        </p:cTn>
+      </p:par>
+    </p:tnLst>
+    <p:bldLst>
+      <p:bldP spid="3" grpId="0"/>
+    </p:bldLst>
+  </p:timing>
+</p:sld>
+</file>
+
+<file path=ppt/slides/slide4.xml><?xml version="1.0" encoding="utf-8"?>
+<p:sld xmlns:a="http://schemas.openxmlformats.org/drawingml/2006/main" xmlns:r="http://schemas.openxmlformats.org/officeDocument/2006/relationships" xmlns:p="http://schemas.openxmlformats.org/presentationml/2006/main">
+  <p:cSld>
+    <p:spTree>
+      <p:nvGrpSpPr>
+        <p:cNvPr id="1" name=""/>
+        <p:cNvGrpSpPr/>
+        <p:nvPr/>
+      </p:nvGrpSpPr>
+      <p:grpSpPr>
+        <a:xfrm>
+          <a:off x="0" y="0"/>
+          <a:ext cx="0" cy="0"/>
+          <a:chOff x="0" y="0"/>
+          <a:chExt cx="0" cy="0"/>
+        </a:xfrm>
+      </p:grpSpPr>
+      <p:sp>
+        <p:nvSpPr>
+          <p:cNvPr id="16" name="Unvan 1"/>
+          <p:cNvSpPr>
+            <a:spLocks noGrp="1"/>
+          </p:cNvSpPr>
+          <p:nvPr>
+            <p:ph type="ctrTitle"/>
+          </p:nvPr>
+        </p:nvSpPr>
+        <p:spPr>
+          <a:xfrm>
+            <a:off x="1856117" y="668546"/>
+            <a:ext cx="8479766" cy="619433"/>
+          </a:xfrm>
+        </p:spPr>
+        <p:txBody>
+          <a:bodyPr>
+            <a:noAutofit/>
+          </a:bodyPr>
+          <a:lstStyle/>
+          <a:p>
+            <a:r>
+              <a:rPr lang="tr-TR" sz="3600" b="1" dirty="0">
+                <a:solidFill>
+                  <a:srgbClr val="FF4D4D"/>
+                </a:solidFill>
+                <a:latin typeface="Roboto"/>
+                <a:ea typeface="+mn-ea"/>
+                <a:cs typeface="+mn-cs"/>
+              </a:rPr>
+              <a:t>Eğitim Verilen Bazı Kurum ve Şirketler</a:t>
+            </a:r>
+            <a:endParaRPr lang="en-US" sz="3600" b="1" dirty="0">
+              <a:solidFill>
+                <a:srgbClr val="FF4D4D"/>
+              </a:solidFill>
+              <a:latin typeface="Roboto"/>
+              <a:ea typeface="+mn-ea"/>
+              <a:cs typeface="+mn-cs"/>
+            </a:endParaRPr>
+          </a:p>
+        </p:txBody>
+      </p:sp>
+      <p:sp>
+        <p:nvSpPr>
+          <p:cNvPr id="3" name="Metin kutusu 2">
+            <a:extLst>
+              <a:ext uri="{FF2B5EF4-FFF2-40B4-BE49-F238E27FC236}">
+                <a16:creationId xmlns:a16="http://schemas.microsoft.com/office/drawing/2014/main" id="{2DC8A280-C738-452F-B627-12CB68E50CC1}"/>
+              </a:ext>
+            </a:extLst>
+          </p:cNvPr>
+          <p:cNvSpPr txBox="1"/>
+          <p:nvPr/>
+        </p:nvSpPr>
+        <p:spPr>
+          <a:xfrm>
+            <a:off x="2825013" y="1606590"/>
+            <a:ext cx="7964129" cy="4600042"/>
+          </a:xfrm>
+          <a:prstGeom prst="rect">
+            <a:avLst/>
+          </a:prstGeom>
+          <a:noFill/>
+        </p:spPr>
+        <p:txBody>
+          <a:bodyPr wrap="square" rtlCol="0">
+            <a:spAutoFit/>
+          </a:bodyPr>
+          <a:lstStyle/>
+          <a:p>
+            <a:pPr marL="365125" indent="-365125" defTabSz="365125">
+              <a:lnSpc>
+                <a:spcPct val="150000"/>
+              </a:lnSpc>
+              <a:buFont typeface="+mj-lt"/>
+              <a:buAutoNum type="arabicPeriod"/>
+              <a:tabLst>
+                <a:tab pos="449263" algn="l"/>
+              </a:tabLst>
+            </a:pPr>
+            <a:r>
+              <a:rPr lang="tr-TR" sz="2200" dirty="0">
+                <a:latin typeface="Roboto"/>
+              </a:rPr>
+              <a:t>Gazi Üniversitesi</a:t>
+            </a:r>
+          </a:p>
+          <a:p>
+            <a:pPr marL="365125" indent="-365125" defTabSz="365125">
+              <a:lnSpc>
+                <a:spcPct val="150000"/>
+              </a:lnSpc>
+              <a:buFont typeface="+mj-lt"/>
+              <a:buAutoNum type="arabicPeriod"/>
+              <a:tabLst>
+                <a:tab pos="449263" algn="l"/>
+              </a:tabLst>
+            </a:pPr>
+            <a:r>
+              <a:rPr lang="tr-TR" sz="2200" dirty="0">
+                <a:latin typeface="Roboto"/>
+              </a:rPr>
+              <a:t>Boğaziçi Üniversitesi	</a:t>
+            </a:r>
+          </a:p>
+          <a:p>
+            <a:pPr marL="365125" indent="-365125" defTabSz="365125">
+              <a:lnSpc>
+                <a:spcPct val="150000"/>
+              </a:lnSpc>
+              <a:buFont typeface="+mj-lt"/>
+              <a:buAutoNum type="arabicPeriod"/>
+              <a:tabLst>
+                <a:tab pos="449263" algn="l"/>
+              </a:tabLst>
+            </a:pPr>
+            <a:r>
+              <a:rPr lang="tr-TR" sz="2200" dirty="0">
+                <a:latin typeface="Roboto"/>
+              </a:rPr>
+              <a:t>Azerbaycan İçişleri Bakanlığı</a:t>
+            </a:r>
+          </a:p>
+          <a:p>
+            <a:pPr marL="365125" indent="-365125" defTabSz="365125">
+              <a:lnSpc>
+                <a:spcPct val="150000"/>
+              </a:lnSpc>
+              <a:buFont typeface="+mj-lt"/>
+              <a:buAutoNum type="arabicPeriod"/>
+              <a:tabLst>
+                <a:tab pos="449263" algn="l"/>
+              </a:tabLst>
+            </a:pPr>
+            <a:r>
+              <a:rPr lang="tr-TR" sz="2200" dirty="0">
+                <a:latin typeface="Roboto"/>
+              </a:rPr>
+              <a:t>İş Bankası</a:t>
+            </a:r>
+          </a:p>
+          <a:p>
+            <a:pPr marL="365125" indent="-365125" defTabSz="365125">
+              <a:lnSpc>
+                <a:spcPct val="150000"/>
+              </a:lnSpc>
+              <a:buFont typeface="+mj-lt"/>
+              <a:buAutoNum type="arabicPeriod"/>
+              <a:tabLst>
+                <a:tab pos="449263" algn="l"/>
+              </a:tabLst>
+            </a:pPr>
+            <a:r>
+              <a:rPr lang="tr-TR" sz="2200" dirty="0">
+                <a:latin typeface="Roboto"/>
+              </a:rPr>
+              <a:t>Sahibinden.com</a:t>
+            </a:r>
+          </a:p>
+          <a:p>
+            <a:pPr marL="365125" indent="-365125" defTabSz="365125">
+              <a:lnSpc>
+                <a:spcPct val="150000"/>
+              </a:lnSpc>
+              <a:buFont typeface="+mj-lt"/>
+              <a:buAutoNum type="arabicPeriod"/>
+              <a:tabLst>
+                <a:tab pos="449263" algn="l"/>
+              </a:tabLst>
+            </a:pPr>
+            <a:r>
+              <a:rPr lang="tr-TR" sz="2200" dirty="0" err="1">
+                <a:latin typeface="Roboto"/>
+              </a:rPr>
+              <a:t>Allianz</a:t>
+            </a:r>
+            <a:r>
+              <a:rPr lang="tr-TR" sz="2200" dirty="0">
+                <a:latin typeface="Roboto"/>
+              </a:rPr>
+              <a:t> Sigorta</a:t>
+            </a:r>
+          </a:p>
+          <a:p>
+            <a:pPr marL="365125" indent="-365125" defTabSz="365125">
+              <a:lnSpc>
+                <a:spcPct val="150000"/>
+              </a:lnSpc>
+              <a:buFont typeface="+mj-lt"/>
+              <a:buAutoNum type="arabicPeriod"/>
+              <a:tabLst>
+                <a:tab pos="449263" algn="l"/>
+              </a:tabLst>
+            </a:pPr>
+            <a:r>
+              <a:rPr lang="tr-TR" sz="2200" dirty="0">
+                <a:latin typeface="Roboto"/>
+              </a:rPr>
+              <a:t>Tarım ve Kredi Kooperatifleri Birliği</a:t>
+            </a:r>
+          </a:p>
+          <a:p>
+            <a:pPr marL="365125" indent="-365125" defTabSz="365125">
+              <a:lnSpc>
+                <a:spcPct val="150000"/>
+              </a:lnSpc>
+              <a:buFont typeface="+mj-lt"/>
+              <a:buAutoNum type="arabicPeriod"/>
+              <a:tabLst>
+                <a:tab pos="449263" algn="l"/>
+              </a:tabLst>
+            </a:pPr>
+            <a:r>
+              <a:rPr lang="tr-TR" sz="2200" dirty="0" err="1">
+                <a:latin typeface="Roboto"/>
+              </a:rPr>
+              <a:t>Enerjisa</a:t>
+            </a:r>
+            <a:r>
+              <a:rPr lang="tr-TR" sz="2200" dirty="0">
+                <a:latin typeface="Roboto"/>
+              </a:rPr>
+              <a:t> Üretim</a:t>
+            </a:r>
+          </a:p>
+          <a:p>
+            <a:pPr marL="365125" indent="-365125" defTabSz="365125">
+              <a:lnSpc>
+                <a:spcPct val="150000"/>
+              </a:lnSpc>
+              <a:buFont typeface="+mj-lt"/>
+              <a:buAutoNum type="arabicPeriod"/>
+              <a:tabLst>
+                <a:tab pos="449263" algn="l"/>
+              </a:tabLst>
+            </a:pPr>
+            <a:r>
+              <a:rPr lang="tr-TR" sz="2200" dirty="0">
+                <a:latin typeface="Roboto"/>
+              </a:rPr>
+              <a:t>Hacettepe Üniversitesi</a:t>
+            </a:r>
+          </a:p>
+        </p:txBody>
+      </p:sp>
+    </p:spTree>
+    <p:extLst>
+      <p:ext uri="{BB962C8B-B14F-4D97-AF65-F5344CB8AC3E}">
+        <p14:creationId xmlns:p14="http://schemas.microsoft.com/office/powerpoint/2010/main" val="2586904466"/>
+      </p:ext>
+    </p:extLst>
+  </p:cSld>
+  <p:clrMapOvr>
+    <a:masterClrMapping/>
+  </p:clrMapOvr>
+  <p:transition spd="slow">
+    <p:push dir="u"/>
+  </p:transition>
+  <p:timing>
+    <p:tnLst>
+      <p:par>
+        <p:cTn id="1" dur="indefinite" restart="never" nodeType="tmRoot">
+          <p:childTnLst>
+            <p:seq concurrent="1" nextAc="seek">
+              <p:cTn id="2" dur="indefinite" nodeType="mainSeq">
+                <p:childTnLst>
+                  <p:par>
+                    <p:cTn id="3" fill="hold">
+                      <p:stCondLst>
+                        <p:cond delay="indefinite"/>
+                      </p:stCondLst>
+                      <p:childTnLst>
+                        <p:par>
+                          <p:cTn id="4" fill="hold">
+                            <p:stCondLst>
+                              <p:cond delay="0"/>
+                            </p:stCondLst>
+                            <p:childTnLst>
+                              <p:par>
+                                <p:cTn id="5" presetID="53" presetClass="entr" presetSubtype="16" fill="hold" grpId="0" nodeType="clickEffect">
+                                  <p:stCondLst>
+                                    <p:cond delay="0"/>
+                                  </p:stCondLst>
+                                  <p:childTnLst>
+                                    <p:set>
+                                      <p:cBhvr>
+                                        <p:cTn id="6" dur="1" fill="hold">
+                                          <p:stCondLst>
+                                            <p:cond delay="0"/>
+                                          </p:stCondLst>
+                                        </p:cTn>
+                                        <p:tgtEl>
+                                          <p:spTgt spid="3"/>
+                                        </p:tgtEl>
+                                        <p:attrNameLst>
+                                          <p:attrName>style.visibility</p:attrName>
+                                        </p:attrNameLst>
+                                      </p:cBhvr>
+                                      <p:to>
+                                        <p:strVal val="visible"/>
+                                      </p:to>
+                                    </p:set>
+                                    <p:anim calcmode="lin" valueType="num">
+                                      <p:cBhvr>
+                                        <p:cTn id="7" dur="500" fill="hold"/>
+                                        <p:tgtEl>
+                                          <p:spTgt spid="3"/>
+                                        </p:tgtEl>
+                                        <p:attrNameLst>
+                                          <p:attrName>ppt_w</p:attrName>
+                                        </p:attrNameLst>
+                                      </p:cBhvr>
+                                      <p:tavLst>
+                                        <p:tav tm="0">
+                                          <p:val>
+                                            <p:fltVal val="0"/>
+                                          </p:val>
+                                        </p:tav>
+                                        <p:tav tm="100000">
+                                          <p:val>
+                                            <p:strVal val="#ppt_w"/>
+                                          </p:val>
+                                        </p:tav>
+                                      </p:tavLst>
+                                    </p:anim>
+                                    <p:anim calcmode="lin" valueType="num">
+                                      <p:cBhvr>
+                                        <p:cTn id="8" dur="500" fill="hold"/>
+                                        <p:tgtEl>
+                                          <p:spTgt spid="3"/>
+                                        </p:tgtEl>
+                                        <p:attrNameLst>
+                                          <p:attrName>ppt_h</p:attrName>
+                                        </p:attrNameLst>
+                                      </p:cBhvr>
+                                      <p:tavLst>
+                                        <p:tav tm="0">
+                                          <p:val>
+                                            <p:fltVal val="0"/>
+                                          </p:val>
+                                        </p:tav>
+                                        <p:tav tm="100000">
+                                          <p:val>
+                                            <p:strVal val="#ppt_h"/>
+                                          </p:val>
+                                        </p:tav>
+                                      </p:tavLst>
+                                    </p:anim>
+                                    <p:animEffect transition="in" filter="fade">
+                                      <p:cBhvr>
+                                        <p:cTn id="9" dur="500"/>
+                                        <p:tgtEl>
+                                          <p:spTgt spid="3"/>
+                                        </p:tgtEl>
+                                      </p:cBhvr>
+                                    </p:animEffect>
+                                  </p:childTnLst>
+                                </p:cTn>
+                              </p:par>
+                            </p:childTnLst>
+                          </p:cTn>
+                        </p:par>
+                      </p:childTnLst>
+                    </p:cTn>
+                  </p:par>
+                </p:childTnLst>
+              </p:cTn>
+              <p:prevCondLst>
+                <p:cond evt="onPrev" delay="0">
+                  <p:tgtEl>
+                    <p:sldTgt/>
+                  </p:tgtEl>
+                </p:cond>
+              </p:prevCondLst>
+              <p:nextCondLst>
+                <p:cond evt="onNext" delay="0">
+                  <p:tgtEl>
+                    <p:sldTgt/>
+                  </p:tgtEl>
+                </p:cond>
+              </p:nextCondLst>
+            </p:seq>
+          </p:childTnLst>
+        </p:cTn>
+      </p:par>
+    </p:tnLst>
+    <p:bldLst>
+      <p:bldP spid="3" grpId="0"/>
+    </p:bldLst>
+  </p:timing>
+</p:sld>
+</file>
+
+<file path=ppt/slides/slide5.xml><?xml version="1.0" encoding="utf-8"?>
+<p:sld xmlns:a="http://schemas.openxmlformats.org/drawingml/2006/main" xmlns:r="http://schemas.openxmlformats.org/officeDocument/2006/relationships" xmlns:p="http://schemas.openxmlformats.org/presentationml/2006/main">
+  <p:cSld>
+    <p:spTree>
+      <p:nvGrpSpPr>
+        <p:cNvPr id="1" name=""/>
+        <p:cNvGrpSpPr/>
+        <p:nvPr/>
+      </p:nvGrpSpPr>
+      <p:grpSpPr>
+        <a:xfrm>
+          <a:off x="0" y="0"/>
+          <a:ext cx="0" cy="0"/>
+          <a:chOff x="0" y="0"/>
+          <a:chExt cx="0" cy="0"/>
+        </a:xfrm>
+      </p:grpSpPr>
+      <p:sp>
+        <p:nvSpPr>
+          <p:cNvPr id="16" name="Unvan 1"/>
+          <p:cNvSpPr>
+            <a:spLocks noGrp="1"/>
+          </p:cNvSpPr>
+          <p:nvPr>
+            <p:ph type="ctrTitle"/>
+          </p:nvPr>
+        </p:nvSpPr>
+        <p:spPr>
+          <a:xfrm>
+            <a:off x="5799066" y="792477"/>
+            <a:ext cx="2735334" cy="619433"/>
+          </a:xfrm>
+        </p:spPr>
+        <p:txBody>
+          <a:bodyPr>
+            <a:noAutofit/>
+          </a:bodyPr>
+          <a:lstStyle/>
+          <a:p>
+            <a:r>
+              <a:rPr lang="tr-TR" sz="4400" b="1" dirty="0">
+                <a:solidFill>
+                  <a:srgbClr val="645A53"/>
+                </a:solidFill>
+                <a:latin typeface="Roboto"/>
+                <a:ea typeface="+mn-ea"/>
+                <a:cs typeface="+mn-cs"/>
+              </a:rPr>
+              <a:t>Kursları</a:t>
+            </a:r>
+            <a:endParaRPr lang="en-US" sz="4400" b="1" dirty="0">
+              <a:solidFill>
+                <a:srgbClr val="645A53"/>
+              </a:solidFill>
+              <a:latin typeface="Roboto"/>
+              <a:ea typeface="+mn-ea"/>
+              <a:cs typeface="+mn-cs"/>
+            </a:endParaRPr>
+          </a:p>
+        </p:txBody>
+      </p:sp>
+      <p:sp>
+        <p:nvSpPr>
+          <p:cNvPr id="2" name="Dikdörtgen 1">
+            <a:extLst>
+              <a:ext uri="{FF2B5EF4-FFF2-40B4-BE49-F238E27FC236}">
+                <a16:creationId xmlns:a16="http://schemas.microsoft.com/office/drawing/2014/main" id="{4C6B8E27-6BF5-40D7-9A51-E30B062C319C}"/>
+              </a:ext>
+            </a:extLst>
+          </p:cNvPr>
+          <p:cNvSpPr/>
+          <p:nvPr/>
+        </p:nvSpPr>
+        <p:spPr>
+          <a:xfrm>
+            <a:off x="1584960" y="1852643"/>
+            <a:ext cx="9113520" cy="3877985"/>
+          </a:xfrm>
+          <a:prstGeom prst="rect">
+            <a:avLst/>
+          </a:prstGeom>
+        </p:spPr>
+        <p:txBody>
+          <a:bodyPr wrap="square">
+            <a:spAutoFit/>
+          </a:bodyPr>
+          <a:lstStyle/>
+          <a:p>
+            <a:r>
+              <a:rPr lang="tr-TR" sz="2400" b="1" dirty="0">
+                <a:latin typeface="Roboto"/>
+              </a:rPr>
+              <a:t>1. A'dan Z'ye Uygulamalı Hadoop ve Büyük Veri Eğitimi</a:t>
+            </a:r>
+          </a:p>
+          <a:p>
+            <a:r>
+              <a:rPr lang="tr-TR" dirty="0">
+                <a:latin typeface="Roboto"/>
+                <a:hlinkClick r:id="rId2"/>
+              </a:rPr>
+              <a:t> https://www.udemy.com/adan-zye-uygulamal-hadoop-buyuk-veri-egitimi</a:t>
+            </a:r>
+            <a:endParaRPr lang="tr-TR" dirty="0">
+              <a:latin typeface="Roboto"/>
+            </a:endParaRPr>
+          </a:p>
+          <a:p>
+            <a:r>
+              <a:rPr lang="tr-TR" dirty="0">
+                <a:latin typeface="Roboto"/>
+              </a:rPr>
+              <a:t>Yeni başlayanlar için büyük veri ve Hadoop teknolojilerini hem teorik hem de pratik uygulamalar içeren bir kurstur. Veri bilimci, büyük veri yöneticisi ve mühendisi pozisyonlarında çalışanlar veya kariyer hedefinde bu pozisyonlardan biri olanlar için idealdir.</a:t>
+            </a:r>
+          </a:p>
+          <a:p>
+            <a:endParaRPr lang="tr-TR" dirty="0">
+              <a:latin typeface="Roboto"/>
+            </a:endParaRPr>
+          </a:p>
+          <a:p>
+            <a:r>
+              <a:rPr lang="tr-TR" sz="2400" b="1" dirty="0">
+                <a:latin typeface="Roboto"/>
+              </a:rPr>
+              <a:t>2. A'dan Z'ye Apache Spark (</a:t>
+            </a:r>
+            <a:r>
+              <a:rPr lang="tr-TR" sz="2400" b="1" dirty="0" err="1">
+                <a:latin typeface="Roboto"/>
+              </a:rPr>
+              <a:t>Scala</a:t>
+            </a:r>
+            <a:r>
+              <a:rPr lang="tr-TR" sz="2400" b="1" dirty="0">
+                <a:latin typeface="Roboto"/>
+              </a:rPr>
+              <a:t> &amp; Python)</a:t>
+            </a:r>
+          </a:p>
+          <a:p>
+            <a:r>
+              <a:rPr lang="tr-TR" dirty="0">
+                <a:latin typeface="Roboto"/>
+                <a:hlinkClick r:id="rId3"/>
+              </a:rPr>
+              <a:t>https://www.udemy.com/apache-spark-egitimi/</a:t>
+            </a:r>
+            <a:endParaRPr lang="tr-TR" dirty="0">
+              <a:latin typeface="Roboto"/>
+            </a:endParaRPr>
+          </a:p>
+          <a:p>
+            <a:r>
+              <a:rPr lang="tr-TR" dirty="0">
+                <a:latin typeface="Roboto"/>
+              </a:rPr>
+              <a:t>Kursiyerlerin Apache Spark ile ilgili her türlü teorik bilgiyi öğrenmeleri ve uygulama seviyesinde yetenek kazanmalarını hedeflemektedir. Apache Spark ile daha gerçekçi uygulamalar ile orta ve ileri seviyeli veri bilimci ve veri mühendisi gibi pozisyonlardaki çalışanların veya bunların adaylarının yeteneklerini geliştirmek hedeflenmiştir.</a:t>
+            </a:r>
+          </a:p>
+        </p:txBody>
+      </p:sp>
+      <p:pic>
+        <p:nvPicPr>
+          <p:cNvPr id="5" name="Resim 4">
+            <a:extLst>
+              <a:ext uri="{FF2B5EF4-FFF2-40B4-BE49-F238E27FC236}">
+                <a16:creationId xmlns:a16="http://schemas.microsoft.com/office/drawing/2014/main" id="{6A28FFB5-D38D-4B4E-B90A-CDDF5EEEEACA}"/>
+              </a:ext>
+            </a:extLst>
+          </p:cNvPr>
+          <p:cNvPicPr>
+            <a:picLocks noChangeAspect="1"/>
+          </p:cNvPicPr>
+          <p:nvPr/>
+        </p:nvPicPr>
+        <p:blipFill>
+          <a:blip r:embed="rId4">
+            <a:extLst>
+              <a:ext uri="{28A0092B-C50C-407E-A947-70E740481C1C}">
+                <a14:useLocalDpi xmlns:a14="http://schemas.microsoft.com/office/drawing/2010/main" val="0"/>
+              </a:ext>
+            </a:extLst>
+          </a:blip>
+          <a:stretch>
+            <a:fillRect/>
+          </a:stretch>
+        </p:blipFill>
+        <p:spPr>
+          <a:xfrm>
+            <a:off x="1813560" y="-240640"/>
+            <a:ext cx="4709160" cy="2472309"/>
+          </a:xfrm>
+          <a:prstGeom prst="rect">
+            <a:avLst/>
+          </a:prstGeom>
+        </p:spPr>
+      </p:pic>
+      <p:pic>
+        <p:nvPicPr>
+          <p:cNvPr id="6" name="Resim 5">
+            <a:extLst>
+              <a:ext uri="{FF2B5EF4-FFF2-40B4-BE49-F238E27FC236}">
+                <a16:creationId xmlns:a16="http://schemas.microsoft.com/office/drawing/2014/main" id="{37F8F709-9E01-4A2A-879C-4192CA6095DA}"/>
+              </a:ext>
+            </a:extLst>
+          </p:cNvPr>
+          <p:cNvPicPr>
+            <a:picLocks noChangeAspect="1"/>
+          </p:cNvPicPr>
+          <p:nvPr/>
+        </p:nvPicPr>
+        <p:blipFill>
+          <a:blip r:embed="rId5">
+            <a:extLst>
+              <a:ext uri="{28A0092B-C50C-407E-A947-70E740481C1C}">
+                <a14:useLocalDpi xmlns:a14="http://schemas.microsoft.com/office/drawing/2010/main" val="0"/>
+              </a:ext>
+            </a:extLst>
+          </a:blip>
+          <a:stretch>
+            <a:fillRect/>
+          </a:stretch>
+        </p:blipFill>
+        <p:spPr>
+          <a:xfrm>
+            <a:off x="185300" y="6409183"/>
+            <a:ext cx="2250142" cy="322024"/>
+          </a:xfrm>
+          <a:prstGeom prst="rect">
+            <a:avLst/>
+          </a:prstGeom>
+        </p:spPr>
+      </p:pic>
+    </p:spTree>
+    <p:extLst>
+      <p:ext uri="{BB962C8B-B14F-4D97-AF65-F5344CB8AC3E}">
+        <p14:creationId xmlns:p14="http://schemas.microsoft.com/office/powerpoint/2010/main" val="4279619642"/>
+      </p:ext>
+    </p:extLst>
+  </p:cSld>
+  <p:clrMapOvr>
+    <a:masterClrMapping/>
+  </p:clrMapOvr>
+  <p:transition spd="slow">
+    <p:push dir="u"/>
+  </p:transition>
+</p:sld>
+</file>
+
+<file path=ppt/slides/slide6.xml><?xml version="1.0" encoding="utf-8"?>
+<p:sld xmlns:a="http://schemas.openxmlformats.org/drawingml/2006/main" xmlns:r="http://schemas.openxmlformats.org/officeDocument/2006/relationships" xmlns:p="http://schemas.openxmlformats.org/presentationml/2006/main">
+  <p:cSld>
+    <p:spTree>
+      <p:nvGrpSpPr>
+        <p:cNvPr id="1" name=""/>
+        <p:cNvGrpSpPr/>
+        <p:nvPr/>
+      </p:nvGrpSpPr>
+      <p:grpSpPr>
+        <a:xfrm>
+          <a:off x="0" y="0"/>
+          <a:ext cx="0" cy="0"/>
+          <a:chOff x="0" y="0"/>
+          <a:chExt cx="0" cy="0"/>
+        </a:xfrm>
+      </p:grpSpPr>
+      <p:sp>
+        <p:nvSpPr>
+          <p:cNvPr id="16" name="Unvan 1"/>
+          <p:cNvSpPr>
+            <a:spLocks noGrp="1"/>
+          </p:cNvSpPr>
+          <p:nvPr>
+            <p:ph type="ctrTitle"/>
+          </p:nvPr>
+        </p:nvSpPr>
+        <p:spPr>
+          <a:xfrm>
+            <a:off x="3574026" y="803563"/>
+            <a:ext cx="5043948" cy="619433"/>
+          </a:xfrm>
+        </p:spPr>
+        <p:txBody>
+          <a:bodyPr>
+            <a:noAutofit/>
+          </a:bodyPr>
+          <a:lstStyle/>
+          <a:p>
+            <a:r>
+              <a:rPr lang="tr-TR" sz="4000" b="1" dirty="0">
+                <a:solidFill>
+                  <a:srgbClr val="FF4D4D"/>
+                </a:solidFill>
+                <a:latin typeface="Roboto"/>
+                <a:ea typeface="+mn-ea"/>
+                <a:cs typeface="+mn-cs"/>
+              </a:rPr>
+              <a:t>Zaman</a:t>
             </a:r>
             <a:endParaRPr lang="en-US" sz="4000" b="1" dirty="0">
               <a:solidFill>
@@ -4023,7 +5137,7 @@
               <a:rPr lang="tr-TR" sz="3200" dirty="0">
                 <a:latin typeface="Roboto"/>
               </a:rPr>
-              <a:t>Öğleden Önce	: 09:00 – 13:00</a:t>
+              <a:t>Öğleden Önce	: 09:30 – 12:00</a:t>
             </a:r>
           </a:p>
           <a:p>
@@ -4037,7 +5151,7 @@
               <a:rPr lang="tr-TR" sz="3200" dirty="0">
                 <a:latin typeface="Roboto"/>
               </a:rPr>
-              <a:t>Öğle Arası		: 13:00 - 14:00</a:t>
+              <a:t>Öğle Arası		: 12:00 - 13:00</a:t>
             </a:r>
           </a:p>
           <a:p>
@@ -4051,7 +5165,7 @@
               <a:rPr lang="tr-TR" sz="3200" dirty="0">
                 <a:latin typeface="Roboto"/>
               </a:rPr>
-              <a:t>Öğleden Sonra	: 14:00 – 17:00</a:t>
+              <a:t>Öğleden Sonra	: 13:00 – 16:30</a:t>
             </a:r>
           </a:p>
         </p:txBody>
@@ -4285,7 +5399,7 @@
 </p:sld>
 </file>
 
-<file path=ppt/slides/slide4.xml><?xml version="1.0" encoding="utf-8"?>
+<file path=ppt/slides/slide7.xml><?xml version="1.0" encoding="utf-8"?>
 <p:sld xmlns:a="http://schemas.openxmlformats.org/drawingml/2006/main" xmlns:r="http://schemas.openxmlformats.org/officeDocument/2006/relationships" xmlns:p="http://schemas.openxmlformats.org/presentationml/2006/main">
   <p:cSld>
     <p:spTree>
@@ -4361,7 +5475,7 @@
         <p:spPr>
           <a:xfrm>
             <a:off x="1930401" y="989370"/>
-            <a:ext cx="8976852" cy="3347840"/>
+            <a:ext cx="8976852" cy="4455835"/>
           </a:xfrm>
           <a:prstGeom prst="rect">
             <a:avLst/>
@@ -4467,17 +5581,46 @@
               <a:rPr lang="tr-TR" sz="2400" dirty="0">
                 <a:latin typeface="Roboto"/>
               </a:rPr>
-              <a:t>4. Hadoop için HDP 2.6.4 </a:t>
+              <a:t>4. Hadoop için </a:t>
+            </a:r>
+          </a:p>
+          <a:p>
+            <a:pPr>
+              <a:lnSpc>
+                <a:spcPct val="150000"/>
+              </a:lnSpc>
+            </a:pPr>
+            <a:r>
+              <a:rPr lang="tr-TR" sz="2400" dirty="0">
+                <a:latin typeface="Roboto"/>
+              </a:rPr>
+              <a:t>	HDP 2.6.5 Sandbox</a:t>
+            </a:r>
+          </a:p>
+          <a:p>
+            <a:pPr>
+              <a:lnSpc>
+                <a:spcPct val="150000"/>
+              </a:lnSpc>
+            </a:pPr>
+            <a:r>
+              <a:rPr lang="tr-TR" sz="2400" dirty="0">
+                <a:latin typeface="Roboto"/>
+              </a:rPr>
+              <a:t>	Cloudera </a:t>
             </a:r>
             <a:r>
               <a:rPr lang="tr-TR" sz="2400" dirty="0" err="1">
                 <a:latin typeface="Roboto"/>
               </a:rPr>
-              <a:t>Sandbox</a:t>
-            </a:r>
-            <a:endParaRPr lang="tr-TR" sz="2400" dirty="0">
-              <a:latin typeface="Roboto"/>
-            </a:endParaRPr>
+              <a:t>Quickstart</a:t>
+            </a:r>
+            <a:r>
+              <a:rPr lang="tr-TR" sz="2400" dirty="0">
+                <a:latin typeface="Roboto"/>
+              </a:rPr>
+              <a:t> VM 5.13</a:t>
+            </a:r>
           </a:p>
           <a:p>
             <a:pPr marL="342900" indent="-342900">
@@ -4818,6 +5961,128 @@
                       </p:childTnLst>
                     </p:cTn>
                   </p:par>
+                  <p:par>
+                    <p:cTn id="28" fill="hold">
+                      <p:stCondLst>
+                        <p:cond delay="indefinite"/>
+                      </p:stCondLst>
+                      <p:childTnLst>
+                        <p:par>
+                          <p:cTn id="29" fill="hold">
+                            <p:stCondLst>
+                              <p:cond delay="0"/>
+                            </p:stCondLst>
+                            <p:childTnLst>
+                              <p:par>
+                                <p:cTn id="30" presetID="10" presetClass="entr" presetSubtype="0" fill="hold" nodeType="clickEffect">
+                                  <p:stCondLst>
+                                    <p:cond delay="0"/>
+                                  </p:stCondLst>
+                                  <p:childTnLst>
+                                    <p:set>
+                                      <p:cBhvr>
+                                        <p:cTn id="31" dur="1" fill="hold">
+                                          <p:stCondLst>
+                                            <p:cond delay="0"/>
+                                          </p:stCondLst>
+                                        </p:cTn>
+                                        <p:tgtEl>
+                                          <p:spTgt spid="3">
+                                            <p:txEl>
+                                              <p:pRg st="5" end="5"/>
+                                            </p:txEl>
+                                          </p:spTgt>
+                                        </p:tgtEl>
+                                        <p:attrNameLst>
+                                          <p:attrName>style.visibility</p:attrName>
+                                        </p:attrNameLst>
+                                      </p:cBhvr>
+                                      <p:to>
+                                        <p:strVal val="visible"/>
+                                      </p:to>
+                                    </p:set>
+                                    <p:animEffect transition="in" filter="fade">
+                                      <p:cBhvr>
+                                        <p:cTn id="32" dur="500"/>
+                                        <p:tgtEl>
+                                          <p:spTgt spid="3">
+                                            <p:txEl>
+                                              <p:pRg st="5" end="5"/>
+                                            </p:txEl>
+                                          </p:spTgt>
+                                        </p:tgtEl>
+                                      </p:cBhvr>
+                                    </p:animEffect>
+                                  </p:childTnLst>
+                                </p:cTn>
+                              </p:par>
+                            </p:childTnLst>
+                          </p:cTn>
+                        </p:par>
+                      </p:childTnLst>
+                    </p:cTn>
+                  </p:par>
+                  <p:par>
+                    <p:cTn id="33" fill="hold">
+                      <p:stCondLst>
+                        <p:cond delay="indefinite"/>
+                      </p:stCondLst>
+                      <p:childTnLst>
+                        <p:par>
+                          <p:cTn id="34" fill="hold">
+                            <p:stCondLst>
+                              <p:cond delay="0"/>
+                            </p:stCondLst>
+                            <p:childTnLst>
+                              <p:par>
+                                <p:cTn id="35" presetID="10" presetClass="entr" presetSubtype="0" fill="hold" nodeType="clickEffect">
+                                  <p:stCondLst>
+                                    <p:cond delay="0"/>
+                                  </p:stCondLst>
+                                  <p:childTnLst>
+                                    <p:set>
+                                      <p:cBhvr>
+                                        <p:cTn id="36" dur="1" fill="hold">
+                                          <p:stCondLst>
+                                            <p:cond delay="0"/>
+                                          </p:stCondLst>
+                                        </p:cTn>
+                                        <p:tgtEl>
+                                          <p:spTgt spid="3">
+                                            <p:txEl>
+                                              <p:pRg st="6" end="6"/>
+                                            </p:txEl>
+                                          </p:spTgt>
+                                        </p:tgtEl>
+                                        <p:attrNameLst>
+                                          <p:attrName>style.visibility</p:attrName>
+                                        </p:attrNameLst>
+                                      </p:cBhvr>
+                                      <p:to>
+                                        <p:strVal val="visible"/>
+                                      </p:to>
+                                    </p:set>
+                                    <p:animEffect transition="in" filter="fade">
+                                      <p:cBhvr>
+                                        <p:cTn id="37" dur="500"/>
+                                        <p:tgtEl>
+                                          <p:spTgt spid="3">
+                                            <p:txEl>
+                                              <p:pRg st="6" end="6"/>
+                                            </p:txEl>
+                                          </p:spTgt>
+                                        </p:tgtEl>
+                                      </p:cBhvr>
+                                    </p:animEffect>
+                                  </p:childTnLst>
+                                </p:cTn>
+                              </p:par>
+                            </p:childTnLst>
+                          </p:cTn>
+                        </p:par>
+                      </p:childTnLst>
+                    </p:cTn>
+                  </p:par>
                 </p:childTnLst>
               </p:cTn>
               <p:prevCondLst>
@@ -4843,7 +6108,7 @@
 </p:sld>
 </file>
 
-<file path=ppt/slides/slide5.xml><?xml version="1.0" encoding="utf-8"?>
+<file path=ppt/slides/slide8.xml><?xml version="1.0" encoding="utf-8"?>
 <p:sld xmlns:a="http://schemas.openxmlformats.org/drawingml/2006/main" xmlns:r="http://schemas.openxmlformats.org/officeDocument/2006/relationships" xmlns:p="http://schemas.openxmlformats.org/presentationml/2006/main">
   <p:cSld>
     <p:spTree>
@@ -5354,375 +6619,6 @@
 </p:sld>
 </file>
 
-<file path=ppt/slides/slide6.xml><?xml version="1.0" encoding="utf-8"?>
-<p:sld xmlns:a="http://schemas.openxmlformats.org/drawingml/2006/main" xmlns:r="http://schemas.openxmlformats.org/officeDocument/2006/relationships" xmlns:p="http://schemas.openxmlformats.org/presentationml/2006/main">
-  <p:cSld>
-    <p:spTree>
-      <p:nvGrpSpPr>
-        <p:cNvPr id="1" name=""/>
-        <p:cNvGrpSpPr/>
-        <p:nvPr/>
-      </p:nvGrpSpPr>
-      <p:grpSpPr>
-        <a:xfrm>
-          <a:off x="0" y="0"/>
-          <a:ext cx="0" cy="0"/>
-          <a:chOff x="0" y="0"/>
-          <a:chExt cx="0" cy="0"/>
-        </a:xfrm>
-      </p:grpSpPr>
-      <p:sp>
-        <p:nvSpPr>
-          <p:cNvPr id="16" name="Unvan 1"/>
-          <p:cNvSpPr>
-            <a:spLocks noGrp="1"/>
-          </p:cNvSpPr>
-          <p:nvPr>
-            <p:ph type="ctrTitle"/>
-          </p:nvPr>
-        </p:nvSpPr>
-        <p:spPr>
-          <a:xfrm>
-            <a:off x="3574026" y="304799"/>
-            <a:ext cx="5043948" cy="619433"/>
-          </a:xfrm>
-        </p:spPr>
-        <p:txBody>
-          <a:bodyPr>
-            <a:noAutofit/>
-          </a:bodyPr>
-          <a:lstStyle/>
-          <a:p>
-            <a:r>
-              <a:rPr lang="tr-TR" sz="4000" b="1" dirty="0">
-                <a:solidFill>
-                  <a:srgbClr val="FF4D4D"/>
-                </a:solidFill>
-                <a:latin typeface="Roboto"/>
-                <a:ea typeface="+mn-ea"/>
-                <a:cs typeface="+mn-cs"/>
-              </a:rPr>
-              <a:t>1. Hafta Ödevi</a:t>
-            </a:r>
-            <a:endParaRPr lang="en-US" sz="4000" b="1" dirty="0">
-              <a:solidFill>
-                <a:srgbClr val="FF4D4D"/>
-              </a:solidFill>
-              <a:latin typeface="Roboto"/>
-              <a:ea typeface="+mn-ea"/>
-              <a:cs typeface="+mn-cs"/>
-            </a:endParaRPr>
-          </a:p>
-        </p:txBody>
-      </p:sp>
-      <p:sp>
-        <p:nvSpPr>
-          <p:cNvPr id="4" name="Metin kutusu 3">
-            <a:extLst>
-              <a:ext uri="{FF2B5EF4-FFF2-40B4-BE49-F238E27FC236}">
-                <a16:creationId xmlns:a16="http://schemas.microsoft.com/office/drawing/2014/main" id="{2B529B47-5A31-4427-9CE6-A265E85D3CAE}"/>
-              </a:ext>
-            </a:extLst>
-          </p:cNvPr>
-          <p:cNvSpPr txBox="1"/>
-          <p:nvPr/>
-        </p:nvSpPr>
-        <p:spPr>
-          <a:xfrm>
-            <a:off x="1346201" y="4178459"/>
-            <a:ext cx="8976852" cy="1131848"/>
-          </a:xfrm>
-          <a:prstGeom prst="rect">
-            <a:avLst/>
-          </a:prstGeom>
-          <a:noFill/>
-        </p:spPr>
-        <p:txBody>
-          <a:bodyPr wrap="square" rtlCol="0">
-            <a:spAutoFit/>
-          </a:bodyPr>
-          <a:lstStyle/>
-          <a:p>
-            <a:pPr>
-              <a:lnSpc>
-                <a:spcPct val="150000"/>
-              </a:lnSpc>
-            </a:pPr>
-            <a:r>
-              <a:rPr lang="tr-TR" sz="2400" dirty="0">
-                <a:latin typeface="Roboto"/>
-              </a:rPr>
-              <a:t>ortalama = </a:t>
-            </a:r>
-            <a:r>
-              <a:rPr lang="tr-TR" sz="2400" dirty="0" err="1">
-                <a:latin typeface="Roboto"/>
-              </a:rPr>
-              <a:t>nesne.ortalama</a:t>
-            </a:r>
-            <a:r>
-              <a:rPr lang="tr-TR" sz="2400" dirty="0">
-                <a:latin typeface="Roboto"/>
-              </a:rPr>
-              <a:t>()</a:t>
-            </a:r>
-          </a:p>
-          <a:p>
-            <a:pPr>
-              <a:lnSpc>
-                <a:spcPct val="150000"/>
-              </a:lnSpc>
-            </a:pPr>
-            <a:r>
-              <a:rPr lang="tr-TR" sz="2400" dirty="0" err="1">
-                <a:latin typeface="Roboto"/>
-              </a:rPr>
-              <a:t>standart_sapma</a:t>
-            </a:r>
-            <a:r>
-              <a:rPr lang="tr-TR" sz="2400" dirty="0">
-                <a:latin typeface="Roboto"/>
-              </a:rPr>
-              <a:t> = </a:t>
-            </a:r>
-            <a:r>
-              <a:rPr lang="tr-TR" sz="2400" dirty="0" err="1">
-                <a:latin typeface="Roboto"/>
-              </a:rPr>
-              <a:t>nesne.standart_sapma</a:t>
-            </a:r>
-            <a:r>
-              <a:rPr lang="tr-TR" sz="2400" dirty="0">
-                <a:latin typeface="Roboto"/>
-              </a:rPr>
-              <a:t>()</a:t>
-            </a:r>
-          </a:p>
-        </p:txBody>
-      </p:sp>
-      <p:sp>
-        <p:nvSpPr>
-          <p:cNvPr id="2" name="Dikdörtgen 1">
-            <a:extLst>
-              <a:ext uri="{FF2B5EF4-FFF2-40B4-BE49-F238E27FC236}">
-                <a16:creationId xmlns:a16="http://schemas.microsoft.com/office/drawing/2014/main" id="{83F6850C-72D5-46A9-AFD2-D400433522C7}"/>
-              </a:ext>
-            </a:extLst>
-          </p:cNvPr>
-          <p:cNvSpPr/>
-          <p:nvPr/>
-        </p:nvSpPr>
-        <p:spPr>
-          <a:xfrm>
-            <a:off x="1960872" y="5722204"/>
-            <a:ext cx="5822428" cy="830997"/>
-          </a:xfrm>
-          <a:prstGeom prst="rect">
-            <a:avLst/>
-          </a:prstGeom>
-        </p:spPr>
-        <p:txBody>
-          <a:bodyPr wrap="none">
-            <a:spAutoFit/>
-          </a:bodyPr>
-          <a:lstStyle/>
-          <a:p>
-            <a:r>
-              <a:rPr lang="tr-TR" sz="2400" dirty="0">
-                <a:latin typeface="Roboto"/>
-              </a:rPr>
-              <a:t>Ödevin cevabı: </a:t>
-            </a:r>
-            <a:r>
-              <a:rPr lang="tr-TR" sz="2400" dirty="0">
-                <a:latin typeface="Roboto"/>
-                <a:hlinkClick r:id="rId2"/>
-              </a:rPr>
-              <a:t>erkansirin78@yahoo.com</a:t>
-            </a:r>
-            <a:endParaRPr lang="tr-TR" sz="2400" dirty="0">
-              <a:latin typeface="Roboto"/>
-            </a:endParaRPr>
-          </a:p>
-          <a:p>
-            <a:r>
-              <a:rPr lang="tr-TR" sz="2400" dirty="0">
-                <a:latin typeface="Roboto"/>
-              </a:rPr>
-              <a:t>adresine gönderilecek.</a:t>
-            </a:r>
-            <a:endParaRPr lang="tr-TR" sz="2400" dirty="0"/>
-          </a:p>
-        </p:txBody>
-      </p:sp>
-    </p:spTree>
-    <p:extLst>
-      <p:ext uri="{BB962C8B-B14F-4D97-AF65-F5344CB8AC3E}">
-        <p14:creationId xmlns:p14="http://schemas.microsoft.com/office/powerpoint/2010/main" val="13828811"/>
-      </p:ext>
-    </p:extLst>
-  </p:cSld>
-  <p:clrMapOvr>
-    <a:masterClrMapping/>
-  </p:clrMapOvr>
-  <p:transition spd="slow">
-    <p:push dir="u"/>
-  </p:transition>
-  <p:timing>
-    <p:tnLst>
-      <p:par>
-        <p:cTn id="1" dur="indefinite" restart="never" nodeType="tmRoot">
-          <p:childTnLst>
-            <p:seq concurrent="1" nextAc="seek">
-              <p:cTn id="2" dur="indefinite" nodeType="mainSeq">
-                <p:childTnLst>
-                  <p:par>
-                    <p:cTn id="3" fill="hold">
-                      <p:stCondLst>
-                        <p:cond delay="indefinite"/>
-                      </p:stCondLst>
-                      <p:childTnLst>
-                        <p:par>
-                          <p:cTn id="4" fill="hold">
-                            <p:stCondLst>
-                              <p:cond delay="0"/>
-                            </p:stCondLst>
-                            <p:childTnLst>
-                              <p:par>
-                                <p:cTn id="5" presetID="10" presetClass="entr" presetSubtype="0" fill="hold" nodeType="clickEffect">
-                                  <p:stCondLst>
-                                    <p:cond delay="0"/>
-                                  </p:stCondLst>
-                                  <p:childTnLst>
-                                    <p:set>
-                                      <p:cBhvr>
-                                        <p:cTn id="6" dur="1" fill="hold">
-                                          <p:stCondLst>
-                                            <p:cond delay="0"/>
-                                          </p:stCondLst>
-                                        </p:cTn>
-                                        <p:tgtEl>
-                                          <p:spTgt spid="4">
-                                            <p:txEl>
-                                              <p:pRg st="0" end="0"/>
-                                            </p:txEl>
-                                          </p:spTgt>
-                                        </p:tgtEl>
-                                        <p:attrNameLst>
-                                          <p:attrName>style.visibility</p:attrName>
-                                        </p:attrNameLst>
-                                      </p:cBhvr>
-                                      <p:to>
-                                        <p:strVal val="visible"/>
-                                      </p:to>
-                                    </p:set>
-                                    <p:animEffect transition="in" filter="fade">
-                                      <p:cBhvr>
-                                        <p:cTn id="7" dur="500"/>
-                                        <p:tgtEl>
-                                          <p:spTgt spid="4">
-                                            <p:txEl>
-                                              <p:pRg st="0" end="0"/>
-                                            </p:txEl>
-                                          </p:spTgt>
-                                        </p:tgtEl>
-                                      </p:cBhvr>
-                                    </p:animEffect>
-                                  </p:childTnLst>
-                                </p:cTn>
-                              </p:par>
-                            </p:childTnLst>
-                          </p:cTn>
-                        </p:par>
-                      </p:childTnLst>
-                    </p:cTn>
-                  </p:par>
-                  <p:par>
-                    <p:cTn id="8" fill="hold">
-                      <p:stCondLst>
-                        <p:cond delay="indefinite"/>
-                      </p:stCondLst>
-                      <p:childTnLst>
-                        <p:par>
-                          <p:cTn id="9" fill="hold">
-                            <p:stCondLst>
-                              <p:cond delay="0"/>
-                            </p:stCondLst>
-                            <p:childTnLst>
-                              <p:par>
-                                <p:cTn id="10" presetID="10" presetClass="entr" presetSubtype="0" fill="hold" nodeType="clickEffect">
-                                  <p:stCondLst>
-                                    <p:cond delay="0"/>
-                                  </p:stCondLst>
-                                  <p:childTnLst>
-                                    <p:set>
-                                      <p:cBhvr>
-                                        <p:cTn id="11" dur="1" fill="hold">
-                                          <p:stCondLst>
-                                            <p:cond delay="0"/>
-                                          </p:stCondLst>
-                                        </p:cTn>
-                                        <p:tgtEl>
-                                          <p:spTgt spid="4">
-                                            <p:txEl>
-                                              <p:pRg st="1" end="1"/>
-                                            </p:txEl>
-                                          </p:spTgt>
-                                        </p:tgtEl>
-                                        <p:attrNameLst>
-                                          <p:attrName>style.visibility</p:attrName>
-                                        </p:attrNameLst>
-                                      </p:cBhvr>
-                                      <p:to>
-                                        <p:strVal val="visible"/>
-                                      </p:to>
-                                    </p:set>
-                                    <p:animEffect transition="in" filter="fade">
-                                      <p:cBhvr>
-                                        <p:cTn id="12" dur="500"/>
-                                        <p:tgtEl>
-                                          <p:spTgt spid="4">
-                                            <p:txEl>
-                                              <p:pRg st="1" end="1"/>
-                                            </p:txEl>
-                                          </p:spTgt>
-                                        </p:tgtEl>
-                                      </p:cBhvr>
-                                    </p:animEffect>
-                                  </p:childTnLst>
-                                </p:cTn>
-                              </p:par>
-                            </p:childTnLst>
-                          </p:cTn>
-                        </p:par>
-                      </p:childTnLst>
-                    </p:cTn>
-                  </p:par>
-                </p:childTnLst>
-              </p:cTn>
-              <p:prevCondLst>
-                <p:cond evt="onPrev" delay="0">
-                  <p:tgtEl>
-                    <p:sldTgt/>
-                  </p:tgtEl>
-                </p:cond>
-              </p:prevCondLst>
-              <p:nextCondLst>
-                <p:cond evt="onNext" delay="0">
-                  <p:tgtEl>
-                    <p:sldTgt/>
-                  </p:tgtEl>
-                </p:cond>
-              </p:nextCondLst>
-            </p:seq>
-          </p:childTnLst>
-        </p:cTn>
-      </p:par>
-    </p:tnLst>
-  </p:timing>
-</p:sld>
-</file>
-
 <file path=ppt/theme/theme1.xml><?xml version="1.0" encoding="utf-8"?>
 <a:theme xmlns:a="http://schemas.openxmlformats.org/drawingml/2006/main" name="Office Teması">
   <a:themeElements>
